--- a/PhotoFinder.pptx
+++ b/PhotoFinder.pptx
@@ -289,7 +289,7 @@
             <a:fld id="{FB30EDBD-1C2D-4C1E-B459-B60219FAB484}" type="datetimeFigureOut">
               <a:rPr lang="ko-KR" altLang="en-US" smtClean="0"/>
               <a:pPr/>
-              <a:t>2019-04-09</a:t>
+              <a:t>2019-04-10</a:t>
             </a:fld>
             <a:endParaRPr lang="ko-KR" altLang="en-US"/>
           </a:p>
@@ -456,7 +456,7 @@
             <a:fld id="{FB30EDBD-1C2D-4C1E-B459-B60219FAB484}" type="datetimeFigureOut">
               <a:rPr lang="ko-KR" altLang="en-US" smtClean="0"/>
               <a:pPr/>
-              <a:t>2019-04-09</a:t>
+              <a:t>2019-04-10</a:t>
             </a:fld>
             <a:endParaRPr lang="ko-KR" altLang="en-US"/>
           </a:p>
@@ -633,7 +633,7 @@
             <a:fld id="{FB30EDBD-1C2D-4C1E-B459-B60219FAB484}" type="datetimeFigureOut">
               <a:rPr lang="ko-KR" altLang="en-US" smtClean="0"/>
               <a:pPr/>
-              <a:t>2019-04-09</a:t>
+              <a:t>2019-04-10</a:t>
             </a:fld>
             <a:endParaRPr lang="ko-KR" altLang="en-US"/>
           </a:p>
@@ -800,7 +800,7 @@
             <a:fld id="{FB30EDBD-1C2D-4C1E-B459-B60219FAB484}" type="datetimeFigureOut">
               <a:rPr lang="ko-KR" altLang="en-US" smtClean="0"/>
               <a:pPr/>
-              <a:t>2019-04-09</a:t>
+              <a:t>2019-04-10</a:t>
             </a:fld>
             <a:endParaRPr lang="ko-KR" altLang="en-US"/>
           </a:p>
@@ -1043,7 +1043,7 @@
             <a:fld id="{FB30EDBD-1C2D-4C1E-B459-B60219FAB484}" type="datetimeFigureOut">
               <a:rPr lang="ko-KR" altLang="en-US" smtClean="0"/>
               <a:pPr/>
-              <a:t>2019-04-09</a:t>
+              <a:t>2019-04-10</a:t>
             </a:fld>
             <a:endParaRPr lang="ko-KR" altLang="en-US"/>
           </a:p>
@@ -1328,7 +1328,7 @@
             <a:fld id="{FB30EDBD-1C2D-4C1E-B459-B60219FAB484}" type="datetimeFigureOut">
               <a:rPr lang="ko-KR" altLang="en-US" smtClean="0"/>
               <a:pPr/>
-              <a:t>2019-04-09</a:t>
+              <a:t>2019-04-10</a:t>
             </a:fld>
             <a:endParaRPr lang="ko-KR" altLang="en-US"/>
           </a:p>
@@ -1747,7 +1747,7 @@
             <a:fld id="{FB30EDBD-1C2D-4C1E-B459-B60219FAB484}" type="datetimeFigureOut">
               <a:rPr lang="ko-KR" altLang="en-US" smtClean="0"/>
               <a:pPr/>
-              <a:t>2019-04-09</a:t>
+              <a:t>2019-04-10</a:t>
             </a:fld>
             <a:endParaRPr lang="ko-KR" altLang="en-US"/>
           </a:p>
@@ -1862,7 +1862,7 @@
             <a:fld id="{FB30EDBD-1C2D-4C1E-B459-B60219FAB484}" type="datetimeFigureOut">
               <a:rPr lang="ko-KR" altLang="en-US" smtClean="0"/>
               <a:pPr/>
-              <a:t>2019-04-09</a:t>
+              <a:t>2019-04-10</a:t>
             </a:fld>
             <a:endParaRPr lang="ko-KR" altLang="en-US"/>
           </a:p>
@@ -1954,7 +1954,7 @@
             <a:fld id="{FB30EDBD-1C2D-4C1E-B459-B60219FAB484}" type="datetimeFigureOut">
               <a:rPr lang="ko-KR" altLang="en-US" smtClean="0"/>
               <a:pPr/>
-              <a:t>2019-04-09</a:t>
+              <a:t>2019-04-10</a:t>
             </a:fld>
             <a:endParaRPr lang="ko-KR" altLang="en-US"/>
           </a:p>
@@ -2228,7 +2228,7 @@
             <a:fld id="{FB30EDBD-1C2D-4C1E-B459-B60219FAB484}" type="datetimeFigureOut">
               <a:rPr lang="ko-KR" altLang="en-US" smtClean="0"/>
               <a:pPr/>
-              <a:t>2019-04-09</a:t>
+              <a:t>2019-04-10</a:t>
             </a:fld>
             <a:endParaRPr lang="ko-KR" altLang="en-US"/>
           </a:p>
@@ -2478,7 +2478,7 @@
             <a:fld id="{FB30EDBD-1C2D-4C1E-B459-B60219FAB484}" type="datetimeFigureOut">
               <a:rPr lang="ko-KR" altLang="en-US" smtClean="0"/>
               <a:pPr/>
-              <a:t>2019-04-09</a:t>
+              <a:t>2019-04-10</a:t>
             </a:fld>
             <a:endParaRPr lang="ko-KR" altLang="en-US"/>
           </a:p>
@@ -2688,7 +2688,7 @@
             <a:fld id="{FB30EDBD-1C2D-4C1E-B459-B60219FAB484}" type="datetimeFigureOut">
               <a:rPr lang="ko-KR" altLang="en-US" smtClean="0"/>
               <a:pPr/>
-              <a:t>2019-04-09</a:t>
+              <a:t>2019-04-10</a:t>
             </a:fld>
             <a:endParaRPr lang="ko-KR" altLang="en-US"/>
           </a:p>
@@ -3067,7 +3067,7 @@
         </p:nvSpPr>
         <p:spPr>
           <a:xfrm>
-            <a:off x="251519" y="1432395"/>
+            <a:off x="251519" y="1203598"/>
             <a:ext cx="2664297" cy="1368153"/>
           </a:xfrm>
           <a:prstGeom prst="rect">
@@ -3111,7 +3111,7 @@
         </p:nvSpPr>
         <p:spPr>
           <a:xfrm>
-            <a:off x="3995936" y="1432396"/>
+            <a:off x="3995936" y="1203599"/>
             <a:ext cx="1944216" cy="1368152"/>
           </a:xfrm>
           <a:prstGeom prst="rect">
@@ -3155,7 +3155,7 @@
         </p:nvSpPr>
         <p:spPr>
           <a:xfrm>
-            <a:off x="6876256" y="1432396"/>
+            <a:off x="6876256" y="1203599"/>
             <a:ext cx="2016224" cy="1368152"/>
           </a:xfrm>
           <a:prstGeom prst="rect">
@@ -3199,7 +3199,7 @@
         </p:nvSpPr>
         <p:spPr>
           <a:xfrm>
-            <a:off x="3059832" y="1936452"/>
+            <a:off x="3059832" y="1707655"/>
             <a:ext cx="792088" cy="144016"/>
           </a:xfrm>
           <a:prstGeom prst="rightArrow">
@@ -3239,7 +3239,7 @@
         </p:nvSpPr>
         <p:spPr>
           <a:xfrm>
-            <a:off x="6012160" y="1936452"/>
+            <a:off x="6012160" y="1707655"/>
             <a:ext cx="792088" cy="144016"/>
           </a:xfrm>
           <a:prstGeom prst="rightArrow">
@@ -3279,7 +3279,7 @@
         </p:nvSpPr>
         <p:spPr>
           <a:xfrm rot="10800000">
-            <a:off x="3059832" y="2296492"/>
+            <a:off x="3059832" y="2067695"/>
             <a:ext cx="792088" cy="144016"/>
           </a:xfrm>
           <a:prstGeom prst="rightArrow">
@@ -3319,7 +3319,7 @@
         </p:nvSpPr>
         <p:spPr>
           <a:xfrm rot="10800000">
-            <a:off x="6012160" y="2296492"/>
+            <a:off x="6012160" y="2067695"/>
             <a:ext cx="792088" cy="144016"/>
           </a:xfrm>
           <a:prstGeom prst="rightArrow">
@@ -3359,7 +3359,7 @@
         </p:nvSpPr>
         <p:spPr>
           <a:xfrm>
-            <a:off x="0" y="3088580"/>
+            <a:off x="0" y="2859783"/>
             <a:ext cx="3563888" cy="923330"/>
           </a:xfrm>
           <a:prstGeom prst="rect">
@@ -3439,8 +3439,8 @@
         </p:nvSpPr>
         <p:spPr>
           <a:xfrm>
-            <a:off x="3779912" y="3160588"/>
-            <a:ext cx="2520280" cy="369332"/>
+            <a:off x="3563888" y="2919017"/>
+            <a:ext cx="3096344" cy="923330"/>
           </a:xfrm>
           <a:prstGeom prst="rect">
             <a:avLst/>
@@ -3458,17 +3458,36 @@
               <a:buChar char="-"/>
             </a:pPr>
             <a:r>
+              <a:rPr lang="en-US" altLang="ko-KR" dirty="0" err="1" smtClean="0"/>
+              <a:t>GetPhotoListByKeyword</a:t>
+            </a:r>
+            <a:r>
               <a:rPr lang="en-US" altLang="ko-KR" dirty="0" smtClean="0"/>
-              <a:t>GET </a:t>
+              <a:t>(keyword, page)</a:t>
+            </a:r>
+          </a:p>
+          <a:p>
+            <a:pPr>
+              <a:buFontTx/>
+              <a:buChar char="-"/>
+            </a:pPr>
+            <a:r>
+              <a:rPr lang="en-US" altLang="ko-KR" dirty="0" err="1" smtClean="0"/>
+              <a:t>DownloadStream</a:t>
             </a:r>
             <a:r>
               <a:rPr lang="en-US" altLang="ko-KR" dirty="0" smtClean="0"/>
-              <a:t>/</a:t>
+              <a:t>(</a:t>
+            </a:r>
+            <a:r>
+              <a:rPr lang="en-US" altLang="ko-KR" dirty="0" err="1" smtClean="0"/>
+              <a:t>url</a:t>
             </a:r>
             <a:r>
               <a:rPr lang="en-US" altLang="ko-KR" dirty="0" smtClean="0"/>
-              <a:t>search/photos</a:t>
-            </a:r>
+              <a:t>)</a:t>
+            </a:r>
+            <a:endParaRPr lang="en-US" altLang="ko-KR" dirty="0" smtClean="0"/>
           </a:p>
         </p:txBody>
       </p:sp>
@@ -3480,7 +3499,7 @@
         </p:nvSpPr>
         <p:spPr>
           <a:xfrm>
-            <a:off x="6732240" y="3016572"/>
+            <a:off x="6732240" y="2787775"/>
             <a:ext cx="2952328" cy="646331"/>
           </a:xfrm>
           <a:prstGeom prst="rect">
